--- a/W05/W05_04_cnn.pptx
+++ b/W05/W05_04_cnn.pptx
@@ -5,7 +5,7 @@
     <p:sldMasterId id="2147483659" r:id="rId1"/>
   </p:sldMasterIdLst>
   <p:notesMasterIdLst>
-    <p:notesMasterId r:id="rId34"/>
+    <p:notesMasterId r:id="rId35"/>
   </p:notesMasterIdLst>
   <p:sldIdLst>
     <p:sldId id="256" r:id="rId2"/>
@@ -27,19 +27,20 @@
     <p:sldId id="334" r:id="rId18"/>
     <p:sldId id="335" r:id="rId19"/>
     <p:sldId id="336" r:id="rId20"/>
-    <p:sldId id="337" r:id="rId21"/>
-    <p:sldId id="338" r:id="rId22"/>
-    <p:sldId id="339" r:id="rId23"/>
-    <p:sldId id="341" r:id="rId24"/>
-    <p:sldId id="342" r:id="rId25"/>
-    <p:sldId id="343" r:id="rId26"/>
-    <p:sldId id="344" r:id="rId27"/>
-    <p:sldId id="345" r:id="rId28"/>
-    <p:sldId id="346" r:id="rId29"/>
-    <p:sldId id="347" r:id="rId30"/>
-    <p:sldId id="349" r:id="rId31"/>
-    <p:sldId id="340" r:id="rId32"/>
-    <p:sldId id="350" r:id="rId33"/>
+    <p:sldId id="351" r:id="rId21"/>
+    <p:sldId id="337" r:id="rId22"/>
+    <p:sldId id="338" r:id="rId23"/>
+    <p:sldId id="339" r:id="rId24"/>
+    <p:sldId id="341" r:id="rId25"/>
+    <p:sldId id="342" r:id="rId26"/>
+    <p:sldId id="343" r:id="rId27"/>
+    <p:sldId id="344" r:id="rId28"/>
+    <p:sldId id="345" r:id="rId29"/>
+    <p:sldId id="346" r:id="rId30"/>
+    <p:sldId id="347" r:id="rId31"/>
+    <p:sldId id="349" r:id="rId32"/>
+    <p:sldId id="340" r:id="rId33"/>
+    <p:sldId id="350" r:id="rId34"/>
   </p:sldIdLst>
   <p:sldSz cx="9144000" cy="6858000" type="screen4x3"/>
   <p:notesSz cx="6858000" cy="9144000"/>
@@ -274,7 +275,7 @@
   </p:defaultTextStyle>
   <p:extLst>
     <p:ext uri="{EFAFB233-063F-42B5-8137-9DF3F51BA10A}">
-      <p15:sldGuideLst xmlns:ahyp="http://schemas.microsoft.com/office/drawing/2018/hyperlinkcolor" xmlns:p15="http://schemas.microsoft.com/office/powerpoint/2012/main" xmlns:p14="http://schemas.microsoft.com/office/powerpoint/2010/main" xmlns:com="http://schemas.openxmlformats.org/drawingml/2006/compatibility" xmlns:pvml="urn:schemas-microsoft-com:office:powerpoint" xmlns:v="urn:schemas-microsoft-com:vml" xmlns:o="urn:schemas-microsoft-com:office:office" xmlns:dgm="http://schemas.openxmlformats.org/drawingml/2006/diagram" xmlns:c="http://schemas.openxmlformats.org/drawingml/2006/chart" xmlns:mv="urn:schemas-microsoft-com:mac:vml" xmlns:mc="http://schemas.openxmlformats.org/markup-compatibility/2006" xmlns="">
+      <p15:sldGuideLst xmlns="" xmlns:mc="http://schemas.openxmlformats.org/markup-compatibility/2006" xmlns:mv="urn:schemas-microsoft-com:mac:vml" xmlns:c="http://schemas.openxmlformats.org/drawingml/2006/chart" xmlns:dgm="http://schemas.openxmlformats.org/drawingml/2006/diagram" xmlns:o="urn:schemas-microsoft-com:office:office" xmlns:v="urn:schemas-microsoft-com:vml" xmlns:pvml="urn:schemas-microsoft-com:office:powerpoint" xmlns:com="http://schemas.openxmlformats.org/drawingml/2006/compatibility" xmlns:p14="http://schemas.microsoft.com/office/powerpoint/2010/main" xmlns:p15="http://schemas.microsoft.com/office/powerpoint/2012/main" xmlns:ahyp="http://schemas.microsoft.com/office/drawing/2018/hyperlinkcolor">
         <p15:guide id="1" orient="horz" pos="2160">
           <p15:clr>
             <a:srgbClr val="000000"/>
@@ -13167,7 +13168,7 @@
           <a:p>
             <a:r>
               <a:rPr lang="zh-TW" altLang="en-US" dirty="0" smtClean="0"/>
-              <a:t>全連結層</a:t>
+              <a:t>池化層</a:t>
             </a:r>
             <a:endParaRPr lang="zh-TW" altLang="en-US" dirty="0"/>
           </a:p>
@@ -13190,11 +13191,38 @@
           <a:p>
             <a:r>
               <a:rPr lang="zh-TW" altLang="en-US" dirty="0" smtClean="0"/>
-              <a:t>通常</a:t>
+              <a:t>池化層夾在連續的卷積層中間， 用於壓縮資料和引數的量</a:t>
+            </a:r>
+            <a:endParaRPr lang="en-US" altLang="zh-TW" dirty="0" smtClean="0"/>
+          </a:p>
+          <a:p>
+            <a:r>
+              <a:rPr lang="zh-TW" altLang="en-US" dirty="0" smtClean="0"/>
+              <a:t>一般來說，會有</a:t>
+            </a:r>
+            <a:r>
+              <a:rPr lang="en-US" altLang="zh-TW" dirty="0" smtClean="0"/>
+              <a:t>【Max-Pooling】</a:t>
+            </a:r>
+            <a:r>
+              <a:rPr lang="zh-TW" altLang="en-US" dirty="0" smtClean="0"/>
+              <a:t>、</a:t>
+            </a:r>
+            <a:r>
+              <a:rPr lang="en-US" altLang="zh-TW" dirty="0" smtClean="0"/>
+              <a:t>【Mean-</a:t>
             </a:r>
             <a:r>
               <a:rPr lang="en-US" altLang="zh-TW" dirty="0" err="1" smtClean="0"/>
-              <a:t>CNN的最後會設計成全連結層這類的型式，有點像我們前面學習的分類器的功用</a:t>
+              <a:t>Pooling】的分別，Max</a:t>
+            </a:r>
+            <a:r>
+              <a:rPr lang="en-US" altLang="zh-TW" dirty="0" smtClean="0"/>
+              <a:t>-</a:t>
+            </a:r>
+            <a:r>
+              <a:rPr lang="en-US" altLang="zh-TW" dirty="0" err="1" smtClean="0"/>
+              <a:t>Pooling目前比較常見</a:t>
             </a:r>
             <a:endParaRPr lang="zh-TW" altLang="en-US" dirty="0"/>
           </a:p>
@@ -13202,7 +13230,7 @@
       </p:sp>
       <p:pic>
         <p:nvPicPr>
-          <p:cNvPr id="37890" name="Picture 2"/>
+          <p:cNvPr id="37891" name="Picture 3"/>
           <p:cNvPicPr>
             <a:picLocks noChangeAspect="1" noChangeArrowheads="1"/>
           </p:cNvPicPr>
@@ -13217,8 +13245,8 @@
         </p:blipFill>
         <p:spPr bwMode="auto">
           <a:xfrm>
-            <a:off x="704397" y="3486377"/>
-            <a:ext cx="7706898" cy="2566080"/>
+            <a:off x="851807" y="3552825"/>
+            <a:ext cx="6742113" cy="3305175"/>
           </a:xfrm>
           <a:prstGeom prst="rect">
             <a:avLst/>
@@ -13282,19 +13310,7 @@
           <a:p>
             <a:r>
               <a:rPr lang="zh-TW" altLang="en-US" dirty="0" smtClean="0"/>
-              <a:t>成功的</a:t>
-            </a:r>
-            <a:r>
-              <a:rPr lang="en-US" altLang="zh-TW" dirty="0" smtClean="0"/>
-              <a:t>CNN</a:t>
-            </a:r>
-            <a:r>
-              <a:rPr lang="zh-TW" altLang="en-US" dirty="0" smtClean="0"/>
-              <a:t> </a:t>
-            </a:r>
-            <a:r>
-              <a:rPr lang="en-US" altLang="zh-TW" dirty="0" smtClean="0"/>
-              <a:t>Model</a:t>
+              <a:t>全連結層</a:t>
             </a:r>
             <a:endParaRPr lang="zh-TW" altLang="en-US" dirty="0"/>
           </a:p>
@@ -13316,57 +13332,50 @@
           <a:lstStyle/>
           <a:p>
             <a:r>
+              <a:rPr lang="zh-TW" altLang="en-US" dirty="0" smtClean="0"/>
+              <a:t>通常</a:t>
+            </a:r>
+            <a:r>
               <a:rPr lang="en-US" altLang="zh-TW" dirty="0" err="1" smtClean="0"/>
-              <a:t>LeNet</a:t>
-            </a:r>
-            <a:endParaRPr lang="en-US" altLang="zh-TW" dirty="0" smtClean="0"/>
-          </a:p>
-          <a:p>
-            <a:r>
-              <a:rPr lang="en-US" altLang="zh-TW" dirty="0" err="1" smtClean="0"/>
-              <a:t>AlexNet</a:t>
-            </a:r>
-            <a:endParaRPr lang="en-US" altLang="zh-TW" dirty="0" smtClean="0"/>
-          </a:p>
-          <a:p>
-            <a:r>
-              <a:rPr lang="en-US" altLang="zh-TW" dirty="0" smtClean="0"/>
-              <a:t>ZF Net</a:t>
-            </a:r>
-          </a:p>
-          <a:p>
-            <a:r>
-              <a:rPr lang="en-US" altLang="zh-TW" dirty="0" err="1" smtClean="0"/>
-              <a:t>GoogLeNet</a:t>
-            </a:r>
-            <a:endParaRPr lang="en-US" altLang="zh-TW" dirty="0" smtClean="0"/>
-          </a:p>
-          <a:p>
-            <a:r>
-              <a:rPr lang="en-US" altLang="zh-TW" dirty="0" err="1" smtClean="0"/>
-              <a:t>VGGNet</a:t>
-            </a:r>
-            <a:endParaRPr lang="en-US" altLang="zh-TW" dirty="0" smtClean="0"/>
-          </a:p>
-          <a:p>
-            <a:r>
-              <a:rPr lang="en-US" altLang="zh-TW" dirty="0" err="1" smtClean="0"/>
-              <a:t>ResNet</a:t>
-            </a:r>
-            <a:endParaRPr lang="en-US" altLang="zh-TW" dirty="0" smtClean="0"/>
-          </a:p>
-          <a:p>
-            <a:r>
-              <a:rPr lang="en-US" altLang="zh-TW" dirty="0" err="1" smtClean="0"/>
-              <a:t>DenseNet</a:t>
-            </a:r>
-            <a:endParaRPr lang="en-US" altLang="zh-TW" dirty="0" smtClean="0"/>
-          </a:p>
-          <a:p>
-            <a:endParaRPr lang="zh-TW" altLang="en-US" dirty="0" smtClean="0"/>
+              <a:t>CNN的最後會設計成全連結層這類的型式，有點像我們前面學習的分類器的功用</a:t>
+            </a:r>
+            <a:endParaRPr lang="zh-TW" altLang="en-US" dirty="0"/>
           </a:p>
         </p:txBody>
       </p:sp>
+      <p:pic>
+        <p:nvPicPr>
+          <p:cNvPr id="37890" name="Picture 2"/>
+          <p:cNvPicPr>
+            <a:picLocks noChangeAspect="1" noChangeArrowheads="1"/>
+          </p:cNvPicPr>
+          <p:nvPr/>
+        </p:nvPicPr>
+        <p:blipFill>
+          <a:blip r:embed="rId3"/>
+          <a:srcRect/>
+          <a:stretch>
+            <a:fillRect/>
+          </a:stretch>
+        </p:blipFill>
+        <p:spPr bwMode="auto">
+          <a:xfrm>
+            <a:off x="704397" y="3486377"/>
+            <a:ext cx="7706898" cy="2566080"/>
+          </a:xfrm>
+          <a:prstGeom prst="rect">
+            <a:avLst/>
+          </a:prstGeom>
+          <a:noFill/>
+          <a:ln w="9525">
+            <a:noFill/>
+            <a:miter lim="800000"/>
+            <a:headEnd/>
+            <a:tailEnd/>
+          </a:ln>
+          <a:effectLst/>
+        </p:spPr>
+      </p:pic>
     </p:spTree>
   </p:cSld>
   <p:clrMapOvr>
@@ -13416,11 +13425,19 @@
           <a:p>
             <a:r>
               <a:rPr lang="zh-TW" altLang="en-US" dirty="0" smtClean="0"/>
-              <a:t>再以</a:t>
-            </a:r>
-            <a:r>
-              <a:rPr lang="en-US" altLang="zh-TW" dirty="0" err="1" smtClean="0"/>
-              <a:t>MNIST為例</a:t>
+              <a:t>成功的</a:t>
+            </a:r>
+            <a:r>
+              <a:rPr lang="en-US" altLang="zh-TW" dirty="0" smtClean="0"/>
+              <a:t>CNN</a:t>
+            </a:r>
+            <a:r>
+              <a:rPr lang="zh-TW" altLang="en-US" dirty="0" smtClean="0"/>
+              <a:t> </a:t>
+            </a:r>
+            <a:r>
+              <a:rPr lang="en-US" altLang="zh-TW" dirty="0" smtClean="0"/>
+              <a:t>Model</a:t>
             </a:r>
             <a:endParaRPr lang="zh-TW" altLang="en-US" dirty="0"/>
           </a:p>
@@ -13442,50 +13459,57 @@
           <a:lstStyle/>
           <a:p>
             <a:r>
-              <a:rPr lang="zh-TW" altLang="en-US" dirty="0" smtClean="0"/>
-              <a:t>建立我們的第一個</a:t>
-            </a:r>
-            <a:r>
               <a:rPr lang="en-US" altLang="zh-TW" dirty="0" err="1" smtClean="0"/>
-              <a:t>CNN模型</a:t>
-            </a:r>
-            <a:endParaRPr lang="zh-TW" altLang="en-US" dirty="0"/>
+              <a:t>LeNet</a:t>
+            </a:r>
+            <a:endParaRPr lang="en-US" altLang="zh-TW" dirty="0" smtClean="0"/>
+          </a:p>
+          <a:p>
+            <a:r>
+              <a:rPr lang="en-US" altLang="zh-TW" dirty="0" err="1" smtClean="0"/>
+              <a:t>AlexNet</a:t>
+            </a:r>
+            <a:endParaRPr lang="en-US" altLang="zh-TW" dirty="0" smtClean="0"/>
+          </a:p>
+          <a:p>
+            <a:r>
+              <a:rPr lang="en-US" altLang="zh-TW" dirty="0" smtClean="0"/>
+              <a:t>ZF Net</a:t>
+            </a:r>
+          </a:p>
+          <a:p>
+            <a:r>
+              <a:rPr lang="en-US" altLang="zh-TW" dirty="0" err="1" smtClean="0"/>
+              <a:t>GoogLeNet</a:t>
+            </a:r>
+            <a:endParaRPr lang="en-US" altLang="zh-TW" dirty="0" smtClean="0"/>
+          </a:p>
+          <a:p>
+            <a:r>
+              <a:rPr lang="en-US" altLang="zh-TW" dirty="0" err="1" smtClean="0"/>
+              <a:t>VGGNet</a:t>
+            </a:r>
+            <a:endParaRPr lang="en-US" altLang="zh-TW" dirty="0" smtClean="0"/>
+          </a:p>
+          <a:p>
+            <a:r>
+              <a:rPr lang="en-US" altLang="zh-TW" dirty="0" err="1" smtClean="0"/>
+              <a:t>ResNet</a:t>
+            </a:r>
+            <a:endParaRPr lang="en-US" altLang="zh-TW" dirty="0" smtClean="0"/>
+          </a:p>
+          <a:p>
+            <a:r>
+              <a:rPr lang="en-US" altLang="zh-TW" dirty="0" err="1" smtClean="0"/>
+              <a:t>DenseNet</a:t>
+            </a:r>
+            <a:endParaRPr lang="en-US" altLang="zh-TW" dirty="0" smtClean="0"/>
+          </a:p>
+          <a:p>
+            <a:endParaRPr lang="zh-TW" altLang="en-US" dirty="0" smtClean="0"/>
           </a:p>
         </p:txBody>
       </p:sp>
-      <p:pic>
-        <p:nvPicPr>
-          <p:cNvPr id="38914" name="Picture 2"/>
-          <p:cNvPicPr>
-            <a:picLocks noChangeAspect="1" noChangeArrowheads="1"/>
-          </p:cNvPicPr>
-          <p:nvPr/>
-        </p:nvPicPr>
-        <p:blipFill>
-          <a:blip r:embed="rId2"/>
-          <a:srcRect/>
-          <a:stretch>
-            <a:fillRect/>
-          </a:stretch>
-        </p:blipFill>
-        <p:spPr bwMode="auto">
-          <a:xfrm>
-            <a:off x="251515" y="2525487"/>
-            <a:ext cx="8142515" cy="3033486"/>
-          </a:xfrm>
-          <a:prstGeom prst="rect">
-            <a:avLst/>
-          </a:prstGeom>
-          <a:noFill/>
-          <a:ln w="9525">
-            <a:noFill/>
-            <a:miter lim="800000"/>
-            <a:headEnd/>
-            <a:tailEnd/>
-          </a:ln>
-          <a:effectLst/>
-        </p:spPr>
-      </p:pic>
     </p:spTree>
   </p:cSld>
   <p:clrMapOvr>
@@ -13533,7 +13557,15 @@
           <a:bodyPr/>
           <a:lstStyle/>
           <a:p>
-            <a:endParaRPr lang="zh-TW" altLang="en-US"/>
+            <a:r>
+              <a:rPr lang="zh-TW" altLang="en-US" dirty="0" smtClean="0"/>
+              <a:t>再以</a:t>
+            </a:r>
+            <a:r>
+              <a:rPr lang="en-US" altLang="zh-TW" dirty="0" err="1" smtClean="0"/>
+              <a:t>MNIST為例</a:t>
+            </a:r>
+            <a:endParaRPr lang="zh-TW" altLang="en-US" dirty="0"/>
           </a:p>
         </p:txBody>
       </p:sp>
@@ -13554,11 +13586,11 @@
           <a:p>
             <a:r>
               <a:rPr lang="zh-TW" altLang="en-US" dirty="0" smtClean="0"/>
-              <a:t>看一下</a:t>
+              <a:t>建立我們的第一個</a:t>
             </a:r>
             <a:r>
               <a:rPr lang="en-US" altLang="zh-TW" dirty="0" err="1" smtClean="0"/>
-              <a:t>model的樣子</a:t>
+              <a:t>CNN模型</a:t>
             </a:r>
             <a:endParaRPr lang="zh-TW" altLang="en-US" dirty="0"/>
           </a:p>
@@ -13566,7 +13598,7 @@
       </p:sp>
       <p:pic>
         <p:nvPicPr>
-          <p:cNvPr id="39938" name="Picture 2"/>
+          <p:cNvPr id="38914" name="Picture 2"/>
           <p:cNvPicPr>
             <a:picLocks noChangeAspect="1" noChangeArrowheads="1"/>
           </p:cNvPicPr>
@@ -13581,8 +13613,8 @@
         </p:blipFill>
         <p:spPr bwMode="auto">
           <a:xfrm>
-            <a:off x="1158195" y="2157867"/>
-            <a:ext cx="6142491" cy="4586851"/>
+            <a:off x="251515" y="2525487"/>
+            <a:ext cx="8142515" cy="3033486"/>
           </a:xfrm>
           <a:prstGeom prst="rect">
             <a:avLst/>
@@ -13665,7 +13697,11 @@
           <a:p>
             <a:r>
               <a:rPr lang="zh-TW" altLang="en-US" dirty="0" smtClean="0"/>
-              <a:t>再加入之前教的密集層</a:t>
+              <a:t>看一下</a:t>
+            </a:r>
+            <a:r>
+              <a:rPr lang="en-US" altLang="zh-TW" dirty="0" err="1" smtClean="0"/>
+              <a:t>model的樣子</a:t>
             </a:r>
             <a:endParaRPr lang="zh-TW" altLang="en-US" dirty="0"/>
           </a:p>
@@ -13673,7 +13709,7 @@
       </p:sp>
       <p:pic>
         <p:nvPicPr>
-          <p:cNvPr id="40962" name="Picture 2"/>
+          <p:cNvPr id="39938" name="Picture 2"/>
           <p:cNvPicPr>
             <a:picLocks noChangeAspect="1" noChangeArrowheads="1"/>
           </p:cNvPicPr>
@@ -13688,8 +13724,8 @@
         </p:blipFill>
         <p:spPr bwMode="auto">
           <a:xfrm>
-            <a:off x="597807" y="3060020"/>
-            <a:ext cx="7423492" cy="1961923"/>
+            <a:off x="1158195" y="2157867"/>
+            <a:ext cx="6142491" cy="4586851"/>
           </a:xfrm>
           <a:prstGeom prst="rect">
             <a:avLst/>
@@ -13770,13 +13806,17 @@
           <a:bodyPr/>
           <a:lstStyle/>
           <a:p>
-            <a:endParaRPr lang="zh-TW" altLang="en-US"/>
+            <a:r>
+              <a:rPr lang="zh-TW" altLang="en-US" dirty="0" smtClean="0"/>
+              <a:t>再加入之前教的密集層</a:t>
+            </a:r>
+            <a:endParaRPr lang="zh-TW" altLang="en-US" dirty="0"/>
           </a:p>
         </p:txBody>
       </p:sp>
       <p:pic>
         <p:nvPicPr>
-          <p:cNvPr id="41986" name="Picture 2"/>
+          <p:cNvPr id="40962" name="Picture 2"/>
           <p:cNvPicPr>
             <a:picLocks noChangeAspect="1" noChangeArrowheads="1"/>
           </p:cNvPicPr>
@@ -13791,8 +13831,8 @@
         </p:blipFill>
         <p:spPr bwMode="auto">
           <a:xfrm>
-            <a:off x="1047749" y="1702934"/>
-            <a:ext cx="5991679" cy="5062313"/>
+            <a:off x="597807" y="3060020"/>
+            <a:ext cx="7423492" cy="1961923"/>
           </a:xfrm>
           <a:prstGeom prst="rect">
             <a:avLst/>
@@ -13873,17 +13913,13 @@
           <a:bodyPr/>
           <a:lstStyle/>
           <a:p>
-            <a:r>
-              <a:rPr lang="zh-TW" altLang="en-US" dirty="0" smtClean="0"/>
-              <a:t>準備輸入的資料</a:t>
-            </a:r>
-            <a:endParaRPr lang="zh-TW" altLang="en-US" dirty="0"/>
+            <a:endParaRPr lang="zh-TW" altLang="en-US"/>
           </a:p>
         </p:txBody>
       </p:sp>
       <p:pic>
         <p:nvPicPr>
-          <p:cNvPr id="43010" name="Picture 2"/>
+          <p:cNvPr id="41986" name="Picture 2"/>
           <p:cNvPicPr>
             <a:picLocks noChangeAspect="1" noChangeArrowheads="1"/>
           </p:cNvPicPr>
@@ -13898,8 +13934,8 @@
         </p:blipFill>
         <p:spPr bwMode="auto">
           <a:xfrm>
-            <a:off x="236085" y="2339975"/>
-            <a:ext cx="8907915" cy="3223612"/>
+            <a:off x="1047749" y="1702934"/>
+            <a:ext cx="5991679" cy="5062313"/>
           </a:xfrm>
           <a:prstGeom prst="rect">
             <a:avLst/>
@@ -13982,7 +14018,7 @@
           <a:p>
             <a:r>
               <a:rPr lang="zh-TW" altLang="en-US" dirty="0" smtClean="0"/>
-              <a:t>訓練一下，成果蠻好的</a:t>
+              <a:t>準備輸入的資料</a:t>
             </a:r>
             <a:endParaRPr lang="zh-TW" altLang="en-US" dirty="0"/>
           </a:p>
@@ -13990,7 +14026,7 @@
       </p:sp>
       <p:pic>
         <p:nvPicPr>
-          <p:cNvPr id="44034" name="Picture 2"/>
+          <p:cNvPr id="43010" name="Picture 2"/>
           <p:cNvPicPr>
             <a:picLocks noChangeAspect="1" noChangeArrowheads="1"/>
           </p:cNvPicPr>
@@ -14005,8 +14041,8 @@
         </p:blipFill>
         <p:spPr bwMode="auto">
           <a:xfrm>
-            <a:off x="373289" y="2600778"/>
-            <a:ext cx="8571612" cy="3698421"/>
+            <a:off x="236085" y="2339975"/>
+            <a:ext cx="8907915" cy="3223612"/>
           </a:xfrm>
           <a:prstGeom prst="rect">
             <a:avLst/>
@@ -14089,11 +14125,7 @@
           <a:p>
             <a:r>
               <a:rPr lang="zh-TW" altLang="en-US" dirty="0" smtClean="0"/>
-              <a:t>使用測試資料來評估我們訓練出來的</a:t>
-            </a:r>
-            <a:r>
-              <a:rPr lang="en-US" altLang="zh-TW" dirty="0" err="1" smtClean="0"/>
-              <a:t>Model是否好用</a:t>
+              <a:t>訓練一下，成果蠻好的</a:t>
             </a:r>
             <a:endParaRPr lang="zh-TW" altLang="en-US" dirty="0"/>
           </a:p>
@@ -14101,7 +14133,7 @@
       </p:sp>
       <p:pic>
         <p:nvPicPr>
-          <p:cNvPr id="45058" name="Picture 2"/>
+          <p:cNvPr id="44034" name="Picture 2"/>
           <p:cNvPicPr>
             <a:picLocks noChangeAspect="1" noChangeArrowheads="1"/>
           </p:cNvPicPr>
@@ -14116,8 +14148,8 @@
         </p:blipFill>
         <p:spPr bwMode="auto">
           <a:xfrm>
-            <a:off x="353786" y="2938689"/>
-            <a:ext cx="8629086" cy="1284968"/>
+            <a:off x="373289" y="2600778"/>
+            <a:ext cx="8571612" cy="3698421"/>
           </a:xfrm>
           <a:prstGeom prst="rect">
             <a:avLst/>
@@ -14179,11 +14211,7 @@
           <a:bodyPr/>
           <a:lstStyle/>
           <a:p>
-            <a:r>
-              <a:rPr lang="zh-TW" altLang="en-US" dirty="0" smtClean="0"/>
-              <a:t>調整參數</a:t>
-            </a:r>
-            <a:endParaRPr lang="zh-TW" altLang="en-US" dirty="0"/>
+            <a:endParaRPr lang="zh-TW" altLang="en-US"/>
           </a:p>
         </p:txBody>
       </p:sp>
@@ -14202,10 +14230,51 @@
           <a:bodyPr/>
           <a:lstStyle/>
           <a:p>
-            <a:endParaRPr lang="zh-TW" altLang="en-US"/>
+            <a:r>
+              <a:rPr lang="zh-TW" altLang="en-US" dirty="0" smtClean="0"/>
+              <a:t>使用測試資料來評估我們訓練出來的</a:t>
+            </a:r>
+            <a:r>
+              <a:rPr lang="en-US" altLang="zh-TW" dirty="0" err="1" smtClean="0"/>
+              <a:t>Model是否好用</a:t>
+            </a:r>
+            <a:endParaRPr lang="zh-TW" altLang="en-US" dirty="0"/>
           </a:p>
         </p:txBody>
       </p:sp>
+      <p:pic>
+        <p:nvPicPr>
+          <p:cNvPr id="45058" name="Picture 2"/>
+          <p:cNvPicPr>
+            <a:picLocks noChangeAspect="1" noChangeArrowheads="1"/>
+          </p:cNvPicPr>
+          <p:nvPr/>
+        </p:nvPicPr>
+        <p:blipFill>
+          <a:blip r:embed="rId2"/>
+          <a:srcRect/>
+          <a:stretch>
+            <a:fillRect/>
+          </a:stretch>
+        </p:blipFill>
+        <p:spPr bwMode="auto">
+          <a:xfrm>
+            <a:off x="353786" y="2938689"/>
+            <a:ext cx="8629086" cy="1284968"/>
+          </a:xfrm>
+          <a:prstGeom prst="rect">
+            <a:avLst/>
+          </a:prstGeom>
+          <a:noFill/>
+          <a:ln w="9525">
+            <a:noFill/>
+            <a:miter lim="800000"/>
+            <a:headEnd/>
+            <a:tailEnd/>
+          </a:ln>
+          <a:effectLst/>
+        </p:spPr>
+      </p:pic>
     </p:spTree>
   </p:cSld>
   <p:clrMapOvr>
@@ -14410,7 +14479,7 @@
           <a:p>
             <a:r>
               <a:rPr lang="zh-TW" altLang="en-US" dirty="0" smtClean="0"/>
-              <a:t>使用已經訓練好的模型</a:t>
+              <a:t>調整參數</a:t>
             </a:r>
             <a:endParaRPr lang="zh-TW" altLang="en-US" dirty="0"/>
           </a:p>
@@ -14431,100 +14500,7 @@
           <a:bodyPr/>
           <a:lstStyle/>
           <a:p>
-            <a:r>
-              <a:rPr lang="en-US" b="1" dirty="0" err="1" smtClean="0"/>
-              <a:t>ImageNet</a:t>
-            </a:r>
-            <a:r>
-              <a:rPr lang="zh-TW" altLang="en-US" b="1" dirty="0" smtClean="0"/>
-              <a:t>比賽的那些英雄們</a:t>
-            </a:r>
-          </a:p>
-          <a:p>
-            <a:pPr lvl="1"/>
-            <a:r>
-              <a:rPr lang="en-US" dirty="0" err="1" smtClean="0"/>
-              <a:t>Xception</a:t>
-            </a:r>
-            <a:endParaRPr lang="en-US" dirty="0" smtClean="0"/>
-          </a:p>
-          <a:p>
-            <a:pPr lvl="1"/>
-            <a:r>
-              <a:rPr lang="en-US" dirty="0" smtClean="0"/>
-              <a:t>VGG16</a:t>
-            </a:r>
-          </a:p>
-          <a:p>
-            <a:pPr lvl="1"/>
-            <a:r>
-              <a:rPr lang="en-US" dirty="0" smtClean="0"/>
-              <a:t>VGG19</a:t>
-            </a:r>
-          </a:p>
-          <a:p>
-            <a:pPr lvl="1"/>
-            <a:r>
-              <a:rPr lang="en-US" dirty="0" smtClean="0"/>
-              <a:t>ResNet50</a:t>
-            </a:r>
-          </a:p>
-          <a:p>
-            <a:pPr lvl="1"/>
-            <a:r>
-              <a:rPr lang="en-US" dirty="0" smtClean="0"/>
-              <a:t>InceptionV3</a:t>
-            </a:r>
-          </a:p>
-          <a:p>
-            <a:pPr lvl="1"/>
-            <a:r>
-              <a:rPr lang="en-US" dirty="0" smtClean="0"/>
-              <a:t>InceptionResNetV2</a:t>
-            </a:r>
-          </a:p>
-          <a:p>
-            <a:pPr lvl="1"/>
-            <a:r>
-              <a:rPr lang="en-US" dirty="0" err="1" smtClean="0"/>
-              <a:t>MobileNet</a:t>
-            </a:r>
-            <a:endParaRPr lang="en-US" dirty="0" smtClean="0"/>
-          </a:p>
-          <a:p>
-            <a:r>
-              <a:rPr lang="en-US" dirty="0" err="1" smtClean="0"/>
-              <a:t>Keras</a:t>
-            </a:r>
-            <a:r>
-              <a:rPr lang="zh-TW" altLang="en-US" dirty="0" smtClean="0"/>
-              <a:t>把它們都收錄進框架內，稱為</a:t>
-            </a:r>
-            <a:r>
-              <a:rPr lang="en-US" dirty="0" err="1" smtClean="0"/>
-              <a:t>Keras</a:t>
-            </a:r>
-            <a:r>
-              <a:rPr lang="en-US" dirty="0" smtClean="0"/>
-              <a:t> </a:t>
-            </a:r>
-            <a:r>
-              <a:rPr lang="en-US" dirty="0" err="1" smtClean="0"/>
-              <a:t>Applications，也就是所謂的預先訓練好的模型</a:t>
-            </a:r>
-            <a:r>
-              <a:rPr lang="en-US" dirty="0" smtClean="0"/>
-              <a:t>(pre-trained</a:t>
-            </a:r>
-            <a:r>
-              <a:rPr lang="zh-TW" altLang="en-US" dirty="0" smtClean="0"/>
-              <a:t> </a:t>
-            </a:r>
-            <a:r>
-              <a:rPr lang="en-US" altLang="zh-TW" dirty="0" smtClean="0"/>
-              <a:t>model)</a:t>
-            </a:r>
-            <a:endParaRPr lang="zh-TW" altLang="en-US" dirty="0"/>
+            <a:endParaRPr lang="zh-TW" altLang="en-US"/>
           </a:p>
         </p:txBody>
       </p:sp>
@@ -14544,6 +14520,173 @@
 </file>
 
 <file path=ppt/slides/slide31.xml><?xml version="1.0" encoding="utf-8"?>
+<p:sld xmlns:a="http://schemas.openxmlformats.org/drawingml/2006/main" xmlns:r="http://schemas.openxmlformats.org/officeDocument/2006/relationships" xmlns:p="http://schemas.openxmlformats.org/presentationml/2006/main">
+  <p:cSld>
+    <p:spTree>
+      <p:nvGrpSpPr>
+        <p:cNvPr id="1" name=""/>
+        <p:cNvGrpSpPr/>
+        <p:nvPr/>
+      </p:nvGrpSpPr>
+      <p:grpSpPr>
+        <a:xfrm>
+          <a:off x="0" y="0"/>
+          <a:ext cx="0" cy="0"/>
+          <a:chOff x="0" y="0"/>
+          <a:chExt cx="0" cy="0"/>
+        </a:xfrm>
+      </p:grpSpPr>
+      <p:sp>
+        <p:nvSpPr>
+          <p:cNvPr id="2" name="標題 1"/>
+          <p:cNvSpPr>
+            <a:spLocks noGrp="1"/>
+          </p:cNvSpPr>
+          <p:nvPr>
+            <p:ph type="title"/>
+          </p:nvPr>
+        </p:nvSpPr>
+        <p:spPr/>
+        <p:txBody>
+          <a:bodyPr/>
+          <a:lstStyle/>
+          <a:p>
+            <a:r>
+              <a:rPr lang="zh-TW" altLang="en-US" dirty="0" smtClean="0"/>
+              <a:t>使用已經訓練好的模型</a:t>
+            </a:r>
+            <a:endParaRPr lang="zh-TW" altLang="en-US" dirty="0"/>
+          </a:p>
+        </p:txBody>
+      </p:sp>
+      <p:sp>
+        <p:nvSpPr>
+          <p:cNvPr id="3" name="文字版面配置區 2"/>
+          <p:cNvSpPr>
+            <a:spLocks noGrp="1"/>
+          </p:cNvSpPr>
+          <p:nvPr>
+            <p:ph type="body" idx="1"/>
+          </p:nvPr>
+        </p:nvSpPr>
+        <p:spPr/>
+        <p:txBody>
+          <a:bodyPr/>
+          <a:lstStyle/>
+          <a:p>
+            <a:r>
+              <a:rPr lang="en-US" b="1" dirty="0" err="1" smtClean="0"/>
+              <a:t>ImageNet</a:t>
+            </a:r>
+            <a:r>
+              <a:rPr lang="zh-TW" altLang="en-US" b="1" dirty="0" smtClean="0"/>
+              <a:t>比賽的那些英雄們</a:t>
+            </a:r>
+          </a:p>
+          <a:p>
+            <a:pPr lvl="1"/>
+            <a:r>
+              <a:rPr lang="en-US" dirty="0" err="1" smtClean="0"/>
+              <a:t>Xception</a:t>
+            </a:r>
+            <a:endParaRPr lang="en-US" dirty="0" smtClean="0"/>
+          </a:p>
+          <a:p>
+            <a:pPr lvl="1"/>
+            <a:r>
+              <a:rPr lang="en-US" dirty="0" smtClean="0"/>
+              <a:t>VGG16</a:t>
+            </a:r>
+          </a:p>
+          <a:p>
+            <a:pPr lvl="1"/>
+            <a:r>
+              <a:rPr lang="en-US" dirty="0" smtClean="0"/>
+              <a:t>VGG19</a:t>
+            </a:r>
+          </a:p>
+          <a:p>
+            <a:pPr lvl="1"/>
+            <a:r>
+              <a:rPr lang="en-US" dirty="0" smtClean="0"/>
+              <a:t>ResNet50</a:t>
+            </a:r>
+          </a:p>
+          <a:p>
+            <a:pPr lvl="1"/>
+            <a:r>
+              <a:rPr lang="en-US" dirty="0" smtClean="0"/>
+              <a:t>InceptionV3</a:t>
+            </a:r>
+          </a:p>
+          <a:p>
+            <a:pPr lvl="1"/>
+            <a:r>
+              <a:rPr lang="en-US" dirty="0" smtClean="0"/>
+              <a:t>InceptionResNetV2</a:t>
+            </a:r>
+          </a:p>
+          <a:p>
+            <a:pPr lvl="1"/>
+            <a:r>
+              <a:rPr lang="en-US" dirty="0" err="1" smtClean="0"/>
+              <a:t>MobileNet</a:t>
+            </a:r>
+            <a:endParaRPr lang="en-US" dirty="0" smtClean="0"/>
+          </a:p>
+          <a:p>
+            <a:r>
+              <a:rPr lang="en-US" dirty="0" err="1" smtClean="0"/>
+              <a:t>Keras</a:t>
+            </a:r>
+            <a:r>
+              <a:rPr lang="zh-TW" altLang="en-US" dirty="0" smtClean="0"/>
+              <a:t>把它們都收錄進框架內，稱為</a:t>
+            </a:r>
+            <a:r>
+              <a:rPr lang="en-US" dirty="0" err="1" smtClean="0"/>
+              <a:t>Keras</a:t>
+            </a:r>
+            <a:r>
+              <a:rPr lang="en-US" dirty="0" smtClean="0"/>
+              <a:t> </a:t>
+            </a:r>
+            <a:r>
+              <a:rPr lang="en-US" dirty="0" err="1" smtClean="0"/>
+              <a:t>Applications，也就是所謂的預先訓練好的模型</a:t>
+            </a:r>
+            <a:r>
+              <a:rPr lang="en-US" dirty="0" smtClean="0"/>
+              <a:t>(pre-trained</a:t>
+            </a:r>
+            <a:r>
+              <a:rPr lang="zh-TW" altLang="en-US" dirty="0" smtClean="0"/>
+              <a:t> </a:t>
+            </a:r>
+            <a:r>
+              <a:rPr lang="en-US" altLang="zh-TW" dirty="0" smtClean="0"/>
+              <a:t>model)</a:t>
+            </a:r>
+            <a:endParaRPr lang="zh-TW" altLang="en-US" dirty="0"/>
+          </a:p>
+        </p:txBody>
+      </p:sp>
+    </p:spTree>
+  </p:cSld>
+  <p:clrMapOvr>
+    <a:masterClrMapping/>
+  </p:clrMapOvr>
+  <p:timing>
+    <p:tnLst>
+      <p:par>
+        <p:cTn id="1" dur="indefinite" restart="never" nodeType="tmRoot"/>
+      </p:par>
+    </p:tnLst>
+  </p:timing>
+</p:sld>
+</file>
+
+<file path=ppt/slides/slide32.xml><?xml version="1.0" encoding="utf-8"?>
 <p:sld xmlns:a="http://schemas.openxmlformats.org/drawingml/2006/main" xmlns:r="http://schemas.openxmlformats.org/officeDocument/2006/relationships" xmlns:p="http://schemas.openxmlformats.org/presentationml/2006/main">
   <p:cSld>
     <p:spTree>
@@ -14662,7 +14805,7 @@
 </p:sld>
 </file>
 
-<file path=ppt/slides/slide32.xml><?xml version="1.0" encoding="utf-8"?>
+<file path=ppt/slides/slide33.xml><?xml version="1.0" encoding="utf-8"?>
 <p:sld xmlns:a="http://schemas.openxmlformats.org/drawingml/2006/main" xmlns:r="http://schemas.openxmlformats.org/officeDocument/2006/relationships" xmlns:p="http://schemas.openxmlformats.org/presentationml/2006/main">
   <p:cSld>
     <p:spTree>
